--- a/docs/talks/201509-FPL-Tutorial/201509_LEAP_FPL_Tutorial_03_HelloWorld.pptx
+++ b/docs/talks/201509-FPL-Tutorial/201509_LEAP_FPL_Tutorial_03_HelloWorld.pptx
@@ -346,7 +346,7 @@
                   <a:uFillTx/>
                 </a:defRPr>
               </a:pPr>
-              <a:t>8/31/2015</a:t>
+              <a:t>9/1/2015</a:t>
             </a:fld>
             <a:endParaRPr lang="en-US" sz="1200" b="0" i="0" u="none" strike="noStrike" kern="1200" cap="none" spc="0" baseline="0" dirty="0">
               <a:solidFill>
@@ -625,7 +625,7 @@
             <a:fld id="{F6EBF39A-A8CB-4C5F-A989-E151D756321B}" type="datetime1">
               <a:rPr lang="en-US"/>
               <a:pPr lvl="0"/>
-              <a:t>8/31/2015</a:t>
+              <a:t>9/1/2015</a:t>
             </a:fld>
             <a:endParaRPr lang="en-US"/>
           </a:p>
@@ -1157,7 +1157,7 @@
           <a:p>
             <a:fld id="{A48D7DC4-AA0E-41C7-8F18-F1E9A65F7ADD}" type="datetime1">
               <a:rPr lang="en-US" smtClean="0"/>
-              <a:t>8/31/2015</a:t>
+              <a:t>9/1/2015</a:t>
             </a:fld>
             <a:endParaRPr lang="en-US"/>
           </a:p>
@@ -1265,7 +1265,7 @@
           <a:p>
             <a:fld id="{A48D7DC4-AA0E-41C7-8F18-F1E9A65F7ADD}" type="datetime1">
               <a:rPr lang="en-US" smtClean="0"/>
-              <a:t>8/31/2015</a:t>
+              <a:t>9/1/2015</a:t>
             </a:fld>
             <a:endParaRPr lang="en-US"/>
           </a:p>
@@ -1375,7 +1375,7 @@
           <a:p>
             <a:fld id="{8F44C593-A29F-4DBF-BED9-5C430410569B}" type="datetime1">
               <a:rPr lang="en-US" smtClean="0"/>
-              <a:t>8/31/2015</a:t>
+              <a:t>9/1/2015</a:t>
             </a:fld>
             <a:endParaRPr lang="en-US"/>
           </a:p>
@@ -1485,7 +1485,7 @@
           <a:p>
             <a:fld id="{8F44C593-A29F-4DBF-BED9-5C430410569B}" type="datetime1">
               <a:rPr lang="en-US" smtClean="0"/>
-              <a:t>8/31/2015</a:t>
+              <a:t>9/1/2015</a:t>
             </a:fld>
             <a:endParaRPr lang="en-US"/>
           </a:p>
@@ -2103,7 +2103,7 @@
           <a:p>
             <a:fld id="{3B6C590E-B5A3-42B4-BDF5-B892663F4FCF}" type="datetime1">
               <a:rPr lang="en-US" smtClean="0"/>
-              <a:t>8/31/2015</a:t>
+              <a:t>9/1/2015</a:t>
             </a:fld>
             <a:endParaRPr lang="en-US"/>
           </a:p>
@@ -2211,7 +2211,7 @@
           <a:p>
             <a:fld id="{A48D7DC4-AA0E-41C7-8F18-F1E9A65F7ADD}" type="datetime1">
               <a:rPr lang="en-US" smtClean="0"/>
-              <a:t>8/31/2015</a:t>
+              <a:t>9/1/2015</a:t>
             </a:fld>
             <a:endParaRPr lang="en-US"/>
           </a:p>
@@ -2413,7 +2413,7 @@
           <a:p>
             <a:fld id="{02ACFB99-3C74-4F07-A7B7-B7020D8DEC06}" type="datetime1">
               <a:rPr lang="en-US" smtClean="0"/>
-              <a:t>8/31/2015</a:t>
+              <a:t>9/1/2015</a:t>
             </a:fld>
             <a:endParaRPr lang="en-US"/>
           </a:p>
@@ -2530,7 +2530,7 @@
           <a:p>
             <a:fld id="{02ACFB99-3C74-4F07-A7B7-B7020D8DEC06}" type="datetime1">
               <a:rPr lang="en-US" smtClean="0"/>
-              <a:t>8/31/2015</a:t>
+              <a:t>9/1/2015</a:t>
             </a:fld>
             <a:endParaRPr lang="en-US"/>
           </a:p>
@@ -2638,7 +2638,7 @@
           <a:p>
             <a:fld id="{A48D7DC4-AA0E-41C7-8F18-F1E9A65F7ADD}" type="datetime1">
               <a:rPr lang="en-US" smtClean="0"/>
-              <a:t>8/31/2015</a:t>
+              <a:t>9/1/2015</a:t>
             </a:fld>
             <a:endParaRPr lang="en-US"/>
           </a:p>
@@ -2746,7 +2746,7 @@
           <a:p>
             <a:fld id="{A48D7DC4-AA0E-41C7-8F18-F1E9A65F7ADD}" type="datetime1">
               <a:rPr lang="en-US" smtClean="0"/>
-              <a:t>8/31/2015</a:t>
+              <a:t>9/1/2015</a:t>
             </a:fld>
             <a:endParaRPr lang="en-US"/>
           </a:p>
@@ -2854,7 +2854,7 @@
           <a:p>
             <a:fld id="{A48D7DC4-AA0E-41C7-8F18-F1E9A65F7ADD}" type="datetime1">
               <a:rPr lang="en-US" smtClean="0"/>
-              <a:t>8/31/2015</a:t>
+              <a:t>9/1/2015</a:t>
             </a:fld>
             <a:endParaRPr lang="en-US"/>
           </a:p>
@@ -5336,11 +5336,11 @@
   <p:clrMapOvr>
     <a:masterClrMapping/>
   </p:clrMapOvr>
-  <mc:AlternateContent xmlns:mc="http://schemas.openxmlformats.org/markup-compatibility/2006" xmlns:p14="http://schemas.microsoft.com/office/powerpoint/2010/main">
-    <mc:Choice Requires="p14">
+  <mc:AlternateContent xmlns:mc="http://schemas.openxmlformats.org/markup-compatibility/2006">
+    <mc:Choice xmlns:p14="http://schemas.microsoft.com/office/powerpoint/2010/main" Requires="p14">
       <p:transition spd="slow" p14:dur="2000"/>
     </mc:Choice>
-    <mc:Fallback xmlns="">
+    <mc:Fallback>
       <p:transition spd="slow"/>
     </mc:Fallback>
   </mc:AlternateContent>
@@ -6149,11 +6149,11 @@
   <p:clrMapOvr>
     <a:masterClrMapping/>
   </p:clrMapOvr>
-  <mc:AlternateContent xmlns:mc="http://schemas.openxmlformats.org/markup-compatibility/2006" xmlns:p14="http://schemas.microsoft.com/office/powerpoint/2010/main">
-    <mc:Choice Requires="p14">
+  <mc:AlternateContent xmlns:mc="http://schemas.openxmlformats.org/markup-compatibility/2006">
+    <mc:Choice xmlns:p14="http://schemas.microsoft.com/office/powerpoint/2010/main" Requires="p14">
       <p:transition spd="slow" p14:dur="2000"/>
     </mc:Choice>
-    <mc:Fallback xmlns="">
+    <mc:Fallback>
       <p:transition spd="slow"/>
     </mc:Fallback>
   </mc:AlternateContent>
@@ -7112,11 +7112,11 @@
   <p:clrMapOvr>
     <a:masterClrMapping/>
   </p:clrMapOvr>
-  <mc:AlternateContent xmlns:mc="http://schemas.openxmlformats.org/markup-compatibility/2006" xmlns:p14="http://schemas.microsoft.com/office/powerpoint/2010/main">
-    <mc:Choice Requires="p14">
+  <mc:AlternateContent xmlns:mc="http://schemas.openxmlformats.org/markup-compatibility/2006">
+    <mc:Choice xmlns:p14="http://schemas.microsoft.com/office/powerpoint/2010/main" Requires="p14">
       <p:transition spd="slow" p14:dur="2000"/>
     </mc:Choice>
-    <mc:Fallback xmlns="">
+    <mc:Fallback>
       <p:transition spd="slow"/>
     </mc:Fallback>
   </mc:AlternateContent>
@@ -8277,11 +8277,11 @@
   <p:clrMapOvr>
     <a:masterClrMapping/>
   </p:clrMapOvr>
-  <mc:AlternateContent xmlns:mc="http://schemas.openxmlformats.org/markup-compatibility/2006" xmlns:p14="http://schemas.microsoft.com/office/powerpoint/2010/main">
-    <mc:Choice Requires="p14">
+  <mc:AlternateContent xmlns:mc="http://schemas.openxmlformats.org/markup-compatibility/2006">
+    <mc:Choice xmlns:p14="http://schemas.microsoft.com/office/powerpoint/2010/main" Requires="p14">
       <p:transition spd="slow" p14:dur="2000"/>
     </mc:Choice>
-    <mc:Fallback xmlns="">
+    <mc:Fallback>
       <p:transition spd="slow"/>
     </mc:Fallback>
   </mc:AlternateContent>
@@ -9071,11 +9071,11 @@
   <p:clrMapOvr>
     <a:masterClrMapping/>
   </p:clrMapOvr>
-  <mc:AlternateContent xmlns:mc="http://schemas.openxmlformats.org/markup-compatibility/2006" xmlns:p14="http://schemas.microsoft.com/office/powerpoint/2010/main">
-    <mc:Choice Requires="p14">
+  <mc:AlternateContent xmlns:mc="http://schemas.openxmlformats.org/markup-compatibility/2006">
+    <mc:Choice xmlns:p14="http://schemas.microsoft.com/office/powerpoint/2010/main" Requires="p14">
       <p:transition spd="slow" p14:dur="2000"/>
     </mc:Choice>
-    <mc:Fallback xmlns="">
+    <mc:Fallback>
       <p:transition spd="slow"/>
     </mc:Fallback>
   </mc:AlternateContent>
@@ -10572,11 +10572,11 @@
   <p:clrMapOvr>
     <a:masterClrMapping/>
   </p:clrMapOvr>
-  <mc:AlternateContent xmlns:mc="http://schemas.openxmlformats.org/markup-compatibility/2006" xmlns:p14="http://schemas.microsoft.com/office/powerpoint/2010/main">
-    <mc:Choice Requires="p14">
+  <mc:AlternateContent xmlns:mc="http://schemas.openxmlformats.org/markup-compatibility/2006">
+    <mc:Choice xmlns:p14="http://schemas.microsoft.com/office/powerpoint/2010/main" Requires="p14">
       <p:transition spd="slow" p14:dur="2000"/>
     </mc:Choice>
-    <mc:Fallback xmlns="">
+    <mc:Fallback>
       <p:transition spd="slow"/>
     </mc:Fallback>
   </mc:AlternateContent>
@@ -13051,11 +13051,11 @@
   <p:clrMapOvr>
     <a:masterClrMapping/>
   </p:clrMapOvr>
-  <mc:AlternateContent xmlns:mc="http://schemas.openxmlformats.org/markup-compatibility/2006" xmlns:p14="http://schemas.microsoft.com/office/powerpoint/2010/main">
-    <mc:Choice Requires="p14">
+  <mc:AlternateContent xmlns:mc="http://schemas.openxmlformats.org/markup-compatibility/2006">
+    <mc:Choice xmlns:p14="http://schemas.microsoft.com/office/powerpoint/2010/main" Requires="p14">
       <p:transition spd="slow" p14:dur="2000"/>
     </mc:Choice>
-    <mc:Fallback xmlns="">
+    <mc:Fallback>
       <p:transition spd="slow"/>
     </mc:Fallback>
   </mc:AlternateContent>
@@ -16708,11 +16708,11 @@
   <p:clrMapOvr>
     <a:masterClrMapping/>
   </p:clrMapOvr>
-  <mc:AlternateContent xmlns:mc="http://schemas.openxmlformats.org/markup-compatibility/2006" xmlns:p14="http://schemas.microsoft.com/office/powerpoint/2010/main">
-    <mc:Choice Requires="p14">
+  <mc:AlternateContent xmlns:mc="http://schemas.openxmlformats.org/markup-compatibility/2006">
+    <mc:Choice xmlns:p14="http://schemas.microsoft.com/office/powerpoint/2010/main" Requires="p14">
       <p:transition spd="slow" p14:dur="2000"/>
     </mc:Choice>
-    <mc:Fallback xmlns="">
+    <mc:Fallback>
       <p:transition spd="slow"/>
     </mc:Fallback>
   </mc:AlternateContent>
@@ -17664,11 +17664,11 @@
   <p:clrMapOvr>
     <a:masterClrMapping/>
   </p:clrMapOvr>
-  <mc:AlternateContent xmlns:mc="http://schemas.openxmlformats.org/markup-compatibility/2006" xmlns:p14="http://schemas.microsoft.com/office/powerpoint/2010/main">
-    <mc:Choice Requires="p14">
+  <mc:AlternateContent xmlns:mc="http://schemas.openxmlformats.org/markup-compatibility/2006">
+    <mc:Choice xmlns:p14="http://schemas.microsoft.com/office/powerpoint/2010/main" Requires="p14">
       <p:transition spd="slow" p14:dur="2000"/>
     </mc:Choice>
-    <mc:Fallback xmlns="">
+    <mc:Fallback>
       <p:transition spd="slow"/>
     </mc:Fallback>
   </mc:AlternateContent>
@@ -17861,11 +17861,11 @@
   <p:clrMapOvr>
     <a:masterClrMapping/>
   </p:clrMapOvr>
-  <mc:AlternateContent xmlns:mc="http://schemas.openxmlformats.org/markup-compatibility/2006" xmlns:p14="http://schemas.microsoft.com/office/powerpoint/2010/main">
-    <mc:Choice Requires="p14">
+  <mc:AlternateContent xmlns:mc="http://schemas.openxmlformats.org/markup-compatibility/2006">
+    <mc:Choice xmlns:p14="http://schemas.microsoft.com/office/powerpoint/2010/main" Requires="p14">
       <p:transition spd="slow" p14:dur="2000"/>
     </mc:Choice>
-    <mc:Fallback xmlns="">
+    <mc:Fallback>
       <p:transition spd="slow"/>
     </mc:Fallback>
   </mc:AlternateContent>
@@ -18085,11 +18085,11 @@
   <p:clrMapOvr>
     <a:masterClrMapping/>
   </p:clrMapOvr>
-  <mc:AlternateContent xmlns:mc="http://schemas.openxmlformats.org/markup-compatibility/2006" xmlns:p14="http://schemas.microsoft.com/office/powerpoint/2010/main">
-    <mc:Choice Requires="p14">
+  <mc:AlternateContent xmlns:mc="http://schemas.openxmlformats.org/markup-compatibility/2006">
+    <mc:Choice xmlns:p14="http://schemas.microsoft.com/office/powerpoint/2010/main" Requires="p14">
       <p:transition spd="slow" p14:dur="2000"/>
     </mc:Choice>
-    <mc:Fallback xmlns="">
+    <mc:Fallback>
       <p:transition spd="slow"/>
     </mc:Fallback>
   </mc:AlternateContent>
@@ -18313,11 +18313,11 @@
   <p:clrMapOvr>
     <a:masterClrMapping/>
   </p:clrMapOvr>
-  <mc:AlternateContent xmlns:mc="http://schemas.openxmlformats.org/markup-compatibility/2006" xmlns:p14="http://schemas.microsoft.com/office/powerpoint/2010/main">
-    <mc:Choice Requires="p14">
+  <mc:AlternateContent xmlns:mc="http://schemas.openxmlformats.org/markup-compatibility/2006">
+    <mc:Choice xmlns:p14="http://schemas.microsoft.com/office/powerpoint/2010/main" Requires="p14">
       <p:transition spd="slow" p14:dur="2000"/>
     </mc:Choice>
-    <mc:Fallback xmlns="">
+    <mc:Fallback>
       <p:transition spd="slow"/>
     </mc:Fallback>
   </mc:AlternateContent>
@@ -18552,11 +18552,11 @@
   <p:clrMapOvr>
     <a:masterClrMapping/>
   </p:clrMapOvr>
-  <mc:AlternateContent xmlns:mc="http://schemas.openxmlformats.org/markup-compatibility/2006" xmlns:p14="http://schemas.microsoft.com/office/powerpoint/2010/main">
-    <mc:Choice Requires="p14">
+  <mc:AlternateContent xmlns:mc="http://schemas.openxmlformats.org/markup-compatibility/2006">
+    <mc:Choice xmlns:p14="http://schemas.microsoft.com/office/powerpoint/2010/main" Requires="p14">
       <p:transition spd="slow" p14:dur="2000"/>
     </mc:Choice>
-    <mc:Fallback xmlns="">
+    <mc:Fallback>
       <p:transition spd="slow"/>
     </mc:Fallback>
   </mc:AlternateContent>
@@ -18683,11 +18683,11 @@
   <p:clrMapOvr>
     <a:masterClrMapping/>
   </p:clrMapOvr>
-  <mc:AlternateContent xmlns:mc="http://schemas.openxmlformats.org/markup-compatibility/2006" xmlns:p14="http://schemas.microsoft.com/office/powerpoint/2010/main">
-    <mc:Choice Requires="p14">
+  <mc:AlternateContent xmlns:mc="http://schemas.openxmlformats.org/markup-compatibility/2006">
+    <mc:Choice xmlns:p14="http://schemas.microsoft.com/office/powerpoint/2010/main" Requires="p14">
       <p:transition spd="slow" p14:dur="2000"/>
     </mc:Choice>
-    <mc:Fallback xmlns="">
+    <mc:Fallback>
       <p:transition spd="slow"/>
     </mc:Fallback>
   </mc:AlternateContent>
@@ -19107,14 +19107,14 @@
   <p:clrMapOvr>
     <a:masterClrMapping/>
   </p:clrMapOvr>
-  <mc:AlternateContent xmlns:mc="http://schemas.openxmlformats.org/markup-compatibility/2006" xmlns:p14="http://schemas.microsoft.com/office/powerpoint/2010/main">
-    <mc:Choice Requires="p14">
-      <p:transition p14:dur="100" advTm="140634">
+  <mc:AlternateContent xmlns:mc="http://schemas.openxmlformats.org/markup-compatibility/2006">
+    <mc:Choice xmlns:p14="http://schemas.microsoft.com/office/powerpoint/2010/main" Requires="p14">
+      <p:transition p14:dur="100">
         <p:fade/>
       </p:transition>
     </mc:Choice>
-    <mc:Fallback xmlns="">
-      <p:transition advTm="140634">
+    <mc:Fallback>
+      <p:transition>
         <p:fade/>
       </p:transition>
     </mc:Fallback>
@@ -19696,14 +19696,14 @@
   <p:clrMapOvr>
     <a:masterClrMapping/>
   </p:clrMapOvr>
-  <mc:AlternateContent xmlns:mc="http://schemas.openxmlformats.org/markup-compatibility/2006" xmlns:p14="http://schemas.microsoft.com/office/powerpoint/2010/main">
-    <mc:Choice Requires="p14">
-      <p:transition p14:dur="100" advTm="140634">
+  <mc:AlternateContent xmlns:mc="http://schemas.openxmlformats.org/markup-compatibility/2006">
+    <mc:Choice xmlns:p14="http://schemas.microsoft.com/office/powerpoint/2010/main" Requires="p14">
+      <p:transition p14:dur="100">
         <p:fade/>
       </p:transition>
     </mc:Choice>
-    <mc:Fallback xmlns="">
-      <p:transition advTm="140634">
+    <mc:Fallback>
+      <p:transition>
         <p:fade/>
       </p:transition>
     </mc:Fallback>
@@ -20013,14 +20013,14 @@
   <p:clrMapOvr>
     <a:masterClrMapping/>
   </p:clrMapOvr>
-  <mc:AlternateContent xmlns:mc="http://schemas.openxmlformats.org/markup-compatibility/2006" xmlns:p14="http://schemas.microsoft.com/office/powerpoint/2010/main">
-    <mc:Choice Requires="p14">
-      <p:transition p14:dur="100" advTm="140634">
+  <mc:AlternateContent xmlns:mc="http://schemas.openxmlformats.org/markup-compatibility/2006">
+    <mc:Choice xmlns:p14="http://schemas.microsoft.com/office/powerpoint/2010/main" Requires="p14">
+      <p:transition p14:dur="100">
         <p:fade/>
       </p:transition>
     </mc:Choice>
-    <mc:Fallback xmlns="">
-      <p:transition advTm="140634">
+    <mc:Fallback>
+      <p:transition>
         <p:fade/>
       </p:transition>
     </mc:Fallback>
@@ -20337,14 +20337,14 @@
   <p:clrMapOvr>
     <a:masterClrMapping/>
   </p:clrMapOvr>
-  <mc:AlternateContent xmlns:mc="http://schemas.openxmlformats.org/markup-compatibility/2006" xmlns:p14="http://schemas.microsoft.com/office/powerpoint/2010/main">
-    <mc:Choice Requires="p14">
-      <p:transition p14:dur="100" advTm="140634">
+  <mc:AlternateContent xmlns:mc="http://schemas.openxmlformats.org/markup-compatibility/2006">
+    <mc:Choice xmlns:p14="http://schemas.microsoft.com/office/powerpoint/2010/main" Requires="p14">
+      <p:transition p14:dur="100">
         <p:fade/>
       </p:transition>
     </mc:Choice>
-    <mc:Fallback xmlns="">
-      <p:transition advTm="140634">
+    <mc:Fallback>
+      <p:transition>
         <p:fade/>
       </p:transition>
     </mc:Fallback>
@@ -20934,14 +20934,14 @@
   <p:clrMapOvr>
     <a:masterClrMapping/>
   </p:clrMapOvr>
-  <mc:AlternateContent xmlns:mc="http://schemas.openxmlformats.org/markup-compatibility/2006" xmlns:p14="http://schemas.microsoft.com/office/powerpoint/2010/main">
-    <mc:Choice Requires="p14">
-      <p:transition p14:dur="100" advTm="140634">
+  <mc:AlternateContent xmlns:mc="http://schemas.openxmlformats.org/markup-compatibility/2006">
+    <mc:Choice xmlns:p14="http://schemas.microsoft.com/office/powerpoint/2010/main" Requires="p14">
+      <p:transition p14:dur="100">
         <p:fade/>
       </p:transition>
     </mc:Choice>
-    <mc:Fallback xmlns="">
-      <p:transition advTm="140634">
+    <mc:Fallback>
+      <p:transition>
         <p:fade/>
       </p:transition>
     </mc:Fallback>
@@ -21261,14 +21261,14 @@
   <p:clrMapOvr>
     <a:masterClrMapping/>
   </p:clrMapOvr>
-  <mc:AlternateContent xmlns:mc="http://schemas.openxmlformats.org/markup-compatibility/2006" xmlns:p14="http://schemas.microsoft.com/office/powerpoint/2010/main">
-    <mc:Choice Requires="p14">
-      <p:transition p14:dur="100" advTm="140634">
+  <mc:AlternateContent xmlns:mc="http://schemas.openxmlformats.org/markup-compatibility/2006">
+    <mc:Choice xmlns:p14="http://schemas.microsoft.com/office/powerpoint/2010/main" Requires="p14">
+      <p:transition p14:dur="100">
         <p:fade/>
       </p:transition>
     </mc:Choice>
-    <mc:Fallback xmlns="">
-      <p:transition advTm="140634">
+    <mc:Fallback>
+      <p:transition>
         <p:fade/>
       </p:transition>
     </mc:Fallback>
@@ -21620,14 +21620,14 @@
   <p:clrMapOvr>
     <a:masterClrMapping/>
   </p:clrMapOvr>
-  <mc:AlternateContent xmlns:mc="http://schemas.openxmlformats.org/markup-compatibility/2006" xmlns:p14="http://schemas.microsoft.com/office/powerpoint/2010/main">
-    <mc:Choice Requires="p14">
-      <p:transition p14:dur="100" advTm="140634">
+  <mc:AlternateContent xmlns:mc="http://schemas.openxmlformats.org/markup-compatibility/2006">
+    <mc:Choice xmlns:p14="http://schemas.microsoft.com/office/powerpoint/2010/main" Requires="p14">
+      <p:transition p14:dur="100">
         <p:fade/>
       </p:transition>
     </mc:Choice>
-    <mc:Fallback xmlns="">
-      <p:transition advTm="140634">
+    <mc:Fallback>
+      <p:transition>
         <p:fade/>
       </p:transition>
     </mc:Fallback>
@@ -22047,11 +22047,11 @@
   <p:clrMapOvr>
     <a:masterClrMapping/>
   </p:clrMapOvr>
-  <mc:AlternateContent xmlns:mc="http://schemas.openxmlformats.org/markup-compatibility/2006" xmlns:p14="http://schemas.microsoft.com/office/powerpoint/2010/main">
-    <mc:Choice Requires="p14">
+  <mc:AlternateContent xmlns:mc="http://schemas.openxmlformats.org/markup-compatibility/2006">
+    <mc:Choice xmlns:p14="http://schemas.microsoft.com/office/powerpoint/2010/main" Requires="p14">
       <p:transition spd="slow" p14:dur="2000"/>
     </mc:Choice>
-    <mc:Fallback xmlns="">
+    <mc:Fallback>
       <p:transition spd="slow"/>
     </mc:Fallback>
   </mc:AlternateContent>
@@ -22750,11 +22750,11 @@
   <p:clrMapOvr>
     <a:masterClrMapping/>
   </p:clrMapOvr>
-  <mc:AlternateContent xmlns:mc="http://schemas.openxmlformats.org/markup-compatibility/2006" xmlns:p14="http://schemas.microsoft.com/office/powerpoint/2010/main">
-    <mc:Choice Requires="p14">
+  <mc:AlternateContent xmlns:mc="http://schemas.openxmlformats.org/markup-compatibility/2006">
+    <mc:Choice xmlns:p14="http://schemas.microsoft.com/office/powerpoint/2010/main" Requires="p14">
       <p:transition spd="slow" p14:dur="2000"/>
     </mc:Choice>
-    <mc:Fallback xmlns="">
+    <mc:Fallback>
       <p:transition spd="slow"/>
     </mc:Fallback>
   </mc:AlternateContent>
@@ -23143,14 +23143,14 @@
   <p:clrMapOvr>
     <a:masterClrMapping/>
   </p:clrMapOvr>
-  <mc:AlternateContent xmlns:mc="http://schemas.openxmlformats.org/markup-compatibility/2006" xmlns:p14="http://schemas.microsoft.com/office/powerpoint/2010/main">
-    <mc:Choice Requires="p14">
-      <p:transition p14:dur="100" advTm="140634">
+  <mc:AlternateContent xmlns:mc="http://schemas.openxmlformats.org/markup-compatibility/2006">
+    <mc:Choice xmlns:p14="http://schemas.microsoft.com/office/powerpoint/2010/main" Requires="p14">
+      <p:transition p14:dur="100">
         <p:fade/>
       </p:transition>
     </mc:Choice>
-    <mc:Fallback xmlns="">
-      <p:transition advTm="140634">
+    <mc:Fallback>
+      <p:transition>
         <p:fade/>
       </p:transition>
     </mc:Fallback>
@@ -23446,11 +23446,11 @@
   <p:clrMapOvr>
     <a:masterClrMapping/>
   </p:clrMapOvr>
-  <mc:AlternateContent xmlns:mc="http://schemas.openxmlformats.org/markup-compatibility/2006" xmlns:p14="http://schemas.microsoft.com/office/powerpoint/2010/main">
-    <mc:Choice Requires="p14">
+  <mc:AlternateContent xmlns:mc="http://schemas.openxmlformats.org/markup-compatibility/2006">
+    <mc:Choice xmlns:p14="http://schemas.microsoft.com/office/powerpoint/2010/main" Requires="p14">
       <p:transition spd="slow" p14:dur="2000"/>
     </mc:Choice>
-    <mc:Fallback xmlns="">
+    <mc:Fallback>
       <p:transition spd="slow"/>
     </mc:Fallback>
   </mc:AlternateContent>
@@ -23607,11 +23607,11 @@
   <p:clrMapOvr>
     <a:masterClrMapping/>
   </p:clrMapOvr>
-  <mc:AlternateContent xmlns:mc="http://schemas.openxmlformats.org/markup-compatibility/2006" xmlns:p14="http://schemas.microsoft.com/office/powerpoint/2010/main">
-    <mc:Choice Requires="p14">
+  <mc:AlternateContent xmlns:mc="http://schemas.openxmlformats.org/markup-compatibility/2006">
+    <mc:Choice xmlns:p14="http://schemas.microsoft.com/office/powerpoint/2010/main" Requires="p14">
       <p:transition spd="slow" p14:dur="2000"/>
     </mc:Choice>
-    <mc:Fallback xmlns="">
+    <mc:Fallback>
       <p:transition spd="slow"/>
     </mc:Fallback>
   </mc:AlternateContent>
